--- a/files/reference.pptx
+++ b/files/reference.pptx
@@ -208,7 +208,7 @@
           <a:p>
             <a:fld id="{4963F5FF-87AA-D243-B6CF-9B1DFDD7C5BC}" type="datetimeFigureOut">
               <a:rPr lang="en-ES" smtClean="0"/>
-              <a:t>15/4/24</a:t>
+              <a:t>29/4/24</a:t>
             </a:fld>
             <a:endParaRPr lang="en-ES"/>
           </a:p>
@@ -668,7 +668,7 @@
           <a:p>
             <a:fld id="{F08F52B6-A571-5442-B287-D52AA5F18554}" type="datetime1">
               <a:rPr lang="es-ES_tradnl" smtClean="0"/>
-              <a:t>15/4/24</a:t>
+              <a:t>29/4/24</a:t>
             </a:fld>
             <a:endParaRPr lang="en-US" dirty="0"/>
           </a:p>
@@ -849,7 +849,7 @@
           <a:p>
             <a:fld id="{6C61AAC3-0998-8848-AD80-C588C1F0C208}" type="datetime1">
               <a:rPr lang="es-ES_tradnl" smtClean="0"/>
-              <a:t>15/4/24</a:t>
+              <a:t>29/4/24</a:t>
             </a:fld>
             <a:endParaRPr lang="en-US"/>
           </a:p>
@@ -1027,7 +1027,7 @@
           <a:p>
             <a:fld id="{DB92B410-BA99-BE4B-AFC8-05EB14E55896}" type="datetime1">
               <a:rPr lang="es-ES_tradnl" smtClean="0"/>
-              <a:t>15/4/24</a:t>
+              <a:t>29/4/24</a:t>
             </a:fld>
             <a:endParaRPr lang="en-US"/>
           </a:p>
@@ -1195,7 +1195,7 @@
           <a:p>
             <a:fld id="{1E4FA0E4-7031-E640-906B-892C52E0DDDD}" type="datetime1">
               <a:rPr lang="es-ES_tradnl" smtClean="0"/>
-              <a:t>15/4/24</a:t>
+              <a:t>29/4/24</a:t>
             </a:fld>
             <a:endParaRPr lang="en-US"/>
           </a:p>
@@ -1440,7 +1440,7 @@
           <a:p>
             <a:fld id="{53DC651A-495D-C742-974F-723E6DC1D540}" type="datetime1">
               <a:rPr lang="es-ES_tradnl" smtClean="0"/>
-              <a:t>15/4/24</a:t>
+              <a:t>29/4/24</a:t>
             </a:fld>
             <a:endParaRPr lang="en-US"/>
           </a:p>
@@ -1725,7 +1725,7 @@
           <a:p>
             <a:fld id="{9B6FA60B-E66E-E244-B106-1F272778AF1B}" type="datetime1">
               <a:rPr lang="es-ES_tradnl" smtClean="0"/>
-              <a:t>15/4/24</a:t>
+              <a:t>29/4/24</a:t>
             </a:fld>
             <a:endParaRPr lang="en-US"/>
           </a:p>
@@ -2144,7 +2144,7 @@
           <a:p>
             <a:fld id="{2BB07D8D-4AEB-4F4A-8D84-9C2B04CEA133}" type="datetime1">
               <a:rPr lang="es-ES_tradnl" smtClean="0"/>
-              <a:t>15/4/24</a:t>
+              <a:t>29/4/24</a:t>
             </a:fld>
             <a:endParaRPr lang="en-US"/>
           </a:p>
@@ -2266,7 +2266,7 @@
           <a:p>
             <a:fld id="{7EC5A7BB-5A6D-334B-A5C8-6FB4F07564BB}" type="datetime1">
               <a:rPr lang="es-ES_tradnl" smtClean="0"/>
-              <a:t>15/4/24</a:t>
+              <a:t>29/4/24</a:t>
             </a:fld>
             <a:endParaRPr lang="en-US"/>
           </a:p>
@@ -2361,7 +2361,7 @@
           <a:p>
             <a:fld id="{B37CAA2E-CD12-3C42-9BFF-E8920007B25A}" type="datetime1">
               <a:rPr lang="es-ES_tradnl" smtClean="0"/>
-              <a:t>15/4/24</a:t>
+              <a:t>29/4/24</a:t>
             </a:fld>
             <a:endParaRPr lang="en-US"/>
           </a:p>
@@ -2482,7 +2482,7 @@
         </p:nvSpPr>
         <p:spPr>
           <a:xfrm>
-            <a:off x="3575050" y="204789"/>
+            <a:off x="3573461" y="1013529"/>
             <a:ext cx="5111750" cy="4027578"/>
           </a:xfrm>
         </p:spPr>
@@ -2541,14 +2541,14 @@
           <a:p>
             <a:pPr lvl="3"/>
             <a:r>
-              <a:rPr lang="en-US"/>
+              <a:rPr lang="en-US" dirty="0"/>
               <a:t>Fourth level</a:t>
             </a:r>
           </a:p>
           <a:p>
             <a:pPr lvl="4"/>
             <a:r>
-              <a:rPr lang="en-US"/>
+              <a:rPr lang="en-US" dirty="0"/>
               <a:t>Fifth level</a:t>
             </a:r>
           </a:p>
@@ -2636,7 +2636,7 @@
           <a:p>
             <a:fld id="{4B93FB1B-919B-AB4D-807D-9913B61B4542}" type="datetime1">
               <a:rPr lang="es-ES_tradnl" smtClean="0"/>
-              <a:t>15/4/24</a:t>
+              <a:t>29/4/24</a:t>
             </a:fld>
             <a:endParaRPr lang="en-US"/>
           </a:p>
@@ -2712,38 +2712,38 @@
           <a:p>
             <a:pPr lvl="0"/>
             <a:r>
-              <a:rPr lang="en-US"/>
+              <a:rPr lang="en-US" dirty="0"/>
               <a:t>Click to edit Master text styles</a:t>
             </a:r>
           </a:p>
           <a:p>
             <a:pPr lvl="1"/>
             <a:r>
-              <a:rPr lang="en-US"/>
+              <a:rPr lang="en-US" dirty="0"/>
               <a:t>Second level</a:t>
             </a:r>
           </a:p>
           <a:p>
             <a:pPr lvl="2"/>
             <a:r>
-              <a:rPr lang="en-US"/>
+              <a:rPr lang="en-US" dirty="0"/>
               <a:t>Third level</a:t>
             </a:r>
           </a:p>
           <a:p>
             <a:pPr lvl="3"/>
             <a:r>
-              <a:rPr lang="en-US"/>
+              <a:rPr lang="en-US" dirty="0"/>
               <a:t>Fourth level</a:t>
             </a:r>
           </a:p>
           <a:p>
             <a:pPr lvl="4"/>
             <a:r>
-              <a:rPr lang="en-US"/>
+              <a:rPr lang="en-US" dirty="0"/>
               <a:t>Fifth level</a:t>
             </a:r>
-            <a:endParaRPr lang="en-ES"/>
+            <a:endParaRPr lang="en-ES" dirty="0"/>
           </a:p>
         </p:txBody>
       </p:sp>
@@ -2951,7 +2951,7 @@
           <a:p>
             <a:fld id="{9FE2CC41-32B8-284F-8491-FCE8B64269E8}" type="datetime1">
               <a:rPr lang="es-ES_tradnl" smtClean="0"/>
-              <a:t>15/4/24</a:t>
+              <a:t>29/4/24</a:t>
             </a:fld>
             <a:endParaRPr lang="en-US"/>
           </a:p>
@@ -3163,7 +3163,7 @@
           <a:p>
             <a:fld id="{66B56A5F-22D9-AA4A-AF23-DFA886E5036D}" type="datetime1">
               <a:rPr lang="es-ES_tradnl" smtClean="0"/>
-              <a:t>15/4/24</a:t>
+              <a:t>29/4/24</a:t>
             </a:fld>
             <a:endParaRPr lang="en-US" dirty="0"/>
           </a:p>
